--- a/3D/PCL-Notes.pptx
+++ b/3D/PCL-Notes.pptx
@@ -7444,7 +7444,7 @@
         <p:spPr>
           <a:xfrm>
             <a:off x="1524000" y="5299075"/>
-            <a:ext cx="9144000" cy="1099185"/>
+            <a:ext cx="9144000" cy="892175"/>
           </a:xfrm>
         </p:spPr>
         <p:txBody>
@@ -7455,24 +7455,24 @@
           <a:p>
             <a:pPr lvl="0" algn="ctr"/>
             <a:r>
-              <a:rPr lang="en-US" sz="2905">
+              <a:rPr lang="en-US" sz="2000">
                 <a:latin typeface="Arial" panose="020B0604020202020204" pitchFamily="18"/>
               </a:rPr>
               <a:t>Sparks Lu</a:t>
             </a:r>
-            <a:endParaRPr lang="en-US" sz="2905">
+            <a:endParaRPr lang="en-US" sz="2000">
               <a:latin typeface="Arial" panose="020B0604020202020204" pitchFamily="18"/>
             </a:endParaRPr>
           </a:p>
           <a:p>
             <a:pPr lvl="0" algn="ctr"/>
             <a:r>
-              <a:rPr lang="en-US" sz="2905">
+              <a:rPr lang="en-US" sz="2000">
                 <a:latin typeface="Arial" panose="020B0604020202020204" pitchFamily="18"/>
               </a:rPr>
               <a:t>Last updated: 2019-9</a:t>
             </a:r>
-            <a:endParaRPr lang="en-US" sz="2905">
+            <a:endParaRPr lang="en-US" sz="2000">
               <a:latin typeface="Arial" panose="020B0604020202020204" pitchFamily="18"/>
             </a:endParaRPr>
           </a:p>
